--- a/Diapositivas/Presentación.pptx
+++ b/Diapositivas/Presentación.pptx
@@ -316,7 +316,7 @@
             <a:fld id="{B61BEF0D-F0BB-DE4B-95CE-6DB70DBA9567}" type="datetimeFigureOut">
               <a:rPr lang="en-US" dirty="0"/>
               <a:pPr/>
-              <a:t>8/3/2013</a:t>
+              <a:t>8/4/2013</a:t>
             </a:fld>
             <a:endParaRPr lang="en-US" dirty="0"/>
           </a:p>
@@ -651,7 +651,7 @@
             <a:fld id="{B61BEF0D-F0BB-DE4B-95CE-6DB70DBA9567}" type="datetimeFigureOut">
               <a:rPr lang="en-US" dirty="0"/>
               <a:pPr/>
-              <a:t>8/3/2013</a:t>
+              <a:t>8/4/2013</a:t>
             </a:fld>
             <a:endParaRPr lang="en-US" dirty="0"/>
           </a:p>
@@ -1049,7 +1049,7 @@
             <a:fld id="{B61BEF0D-F0BB-DE4B-95CE-6DB70DBA9567}" type="datetimeFigureOut">
               <a:rPr lang="en-US" dirty="0"/>
               <a:pPr/>
-              <a:t>8/3/2013</a:t>
+              <a:t>8/4/2013</a:t>
             </a:fld>
             <a:endParaRPr lang="en-US" dirty="0"/>
           </a:p>
@@ -1382,7 +1382,7 @@
             <a:fld id="{B61BEF0D-F0BB-DE4B-95CE-6DB70DBA9567}" type="datetimeFigureOut">
               <a:rPr lang="en-US" dirty="0"/>
               <a:pPr/>
-              <a:t>8/3/2013</a:t>
+              <a:t>8/4/2013</a:t>
             </a:fld>
             <a:endParaRPr lang="en-US" dirty="0"/>
           </a:p>
@@ -1699,7 +1699,7 @@
             <a:fld id="{B61BEF0D-F0BB-DE4B-95CE-6DB70DBA9567}" type="datetimeFigureOut">
               <a:rPr lang="en-US" dirty="0"/>
               <a:pPr/>
-              <a:t>8/3/2013</a:t>
+              <a:t>8/4/2013</a:t>
             </a:fld>
             <a:endParaRPr lang="en-US" dirty="0"/>
           </a:p>
@@ -2092,7 +2092,7 @@
             <a:fld id="{B61BEF0D-F0BB-DE4B-95CE-6DB70DBA9567}" type="datetimeFigureOut">
               <a:rPr lang="en-US" dirty="0"/>
               <a:pPr/>
-              <a:t>8/3/2013</a:t>
+              <a:t>8/4/2013</a:t>
             </a:fld>
             <a:endParaRPr lang="en-US" dirty="0"/>
           </a:p>
@@ -2346,7 +2346,7 @@
             <a:fld id="{B61BEF0D-F0BB-DE4B-95CE-6DB70DBA9567}" type="datetimeFigureOut">
               <a:rPr lang="en-US" dirty="0"/>
               <a:pPr/>
-              <a:t>8/3/2013</a:t>
+              <a:t>8/4/2013</a:t>
             </a:fld>
             <a:endParaRPr lang="en-US" dirty="0"/>
           </a:p>
@@ -2605,7 +2605,7 @@
             <a:fld id="{B61BEF0D-F0BB-DE4B-95CE-6DB70DBA9567}" type="datetimeFigureOut">
               <a:rPr lang="en-US" dirty="0"/>
               <a:pPr/>
-              <a:t>8/3/2013</a:t>
+              <a:t>8/4/2013</a:t>
             </a:fld>
             <a:endParaRPr lang="en-US" dirty="0"/>
           </a:p>
@@ -2864,7 +2864,7 @@
             <a:fld id="{B61BEF0D-F0BB-DE4B-95CE-6DB70DBA9567}" type="datetimeFigureOut">
               <a:rPr lang="en-US" dirty="0"/>
               <a:pPr/>
-              <a:t>8/3/2013</a:t>
+              <a:t>8/4/2013</a:t>
             </a:fld>
             <a:endParaRPr lang="en-US" dirty="0"/>
           </a:p>
@@ -3190,7 +3190,7 @@
             <a:fld id="{B61BEF0D-F0BB-DE4B-95CE-6DB70DBA9567}" type="datetimeFigureOut">
               <a:rPr lang="en-US" dirty="0"/>
               <a:pPr/>
-              <a:t>8/3/2013</a:t>
+              <a:t>8/4/2013</a:t>
             </a:fld>
             <a:endParaRPr lang="en-US" dirty="0"/>
           </a:p>
@@ -3510,7 +3510,7 @@
             <a:fld id="{B61BEF0D-F0BB-DE4B-95CE-6DB70DBA9567}" type="datetimeFigureOut">
               <a:rPr lang="en-US" dirty="0"/>
               <a:pPr/>
-              <a:t>8/3/2013</a:t>
+              <a:t>8/4/2013</a:t>
             </a:fld>
             <a:endParaRPr lang="en-US" dirty="0"/>
           </a:p>
@@ -3964,7 +3964,7 @@
             <a:fld id="{B61BEF0D-F0BB-DE4B-95CE-6DB70DBA9567}" type="datetimeFigureOut">
               <a:rPr lang="en-US" dirty="0"/>
               <a:pPr/>
-              <a:t>8/3/2013</a:t>
+              <a:t>8/4/2013</a:t>
             </a:fld>
             <a:endParaRPr lang="en-US" dirty="0"/>
           </a:p>
@@ -4166,7 +4166,7 @@
             <a:fld id="{B61BEF0D-F0BB-DE4B-95CE-6DB70DBA9567}" type="datetimeFigureOut">
               <a:rPr lang="en-US" dirty="0"/>
               <a:pPr/>
-              <a:t>8/3/2013</a:t>
+              <a:t>8/4/2013</a:t>
             </a:fld>
             <a:endParaRPr lang="en-US" dirty="0"/>
           </a:p>
@@ -4340,7 +4340,7 @@
             <a:fld id="{B61BEF0D-F0BB-DE4B-95CE-6DB70DBA9567}" type="datetimeFigureOut">
               <a:rPr lang="en-US" dirty="0"/>
               <a:pPr/>
-              <a:t>8/3/2013</a:t>
+              <a:t>8/4/2013</a:t>
             </a:fld>
             <a:endParaRPr lang="en-US" dirty="0"/>
           </a:p>
@@ -4670,7 +4670,7 @@
             <a:fld id="{B61BEF0D-F0BB-DE4B-95CE-6DB70DBA9567}" type="datetimeFigureOut">
               <a:rPr lang="en-US" dirty="0"/>
               <a:pPr/>
-              <a:t>8/3/2013</a:t>
+              <a:t>8/4/2013</a:t>
             </a:fld>
             <a:endParaRPr lang="en-US" dirty="0"/>
           </a:p>
@@ -5012,7 +5012,7 @@
             <a:fld id="{B61BEF0D-F0BB-DE4B-95CE-6DB70DBA9567}" type="datetimeFigureOut">
               <a:rPr lang="en-US" dirty="0"/>
               <a:pPr/>
-              <a:t>8/3/2013</a:t>
+              <a:t>8/4/2013</a:t>
             </a:fld>
             <a:endParaRPr lang="en-US" dirty="0"/>
           </a:p>
@@ -7126,7 +7126,7 @@
             <a:fld id="{B61BEF0D-F0BB-DE4B-95CE-6DB70DBA9567}" type="datetimeFigureOut">
               <a:rPr lang="en-US" dirty="0"/>
               <a:pPr/>
-              <a:t>8/3/2013</a:t>
+              <a:t>8/4/2013</a:t>
             </a:fld>
             <a:endParaRPr lang="en-US" dirty="0"/>
           </a:p>
@@ -7702,26 +7702,13 @@
           <a:p>
             <a:r>
               <a:rPr lang="es-EC" dirty="0" smtClean="0"/>
-              <a:t>- </a:t>
-            </a:r>
+              <a:t>- José Vélez</a:t>
+            </a:r>
+          </a:p>
+          <a:p>
             <a:r>
               <a:rPr lang="es-EC" dirty="0" smtClean="0"/>
-              <a:t>José Vélez</a:t>
-            </a:r>
-            <a:endParaRPr lang="es-EC" dirty="0" smtClean="0"/>
-          </a:p>
-          <a:p>
-            <a:r>
-              <a:rPr lang="es-EC" dirty="0" smtClean="0"/>
-              <a:t>- </a:t>
-            </a:r>
-            <a:r>
-              <a:rPr lang="es-EC" dirty="0" smtClean="0"/>
-              <a:t>Carlos </a:t>
-            </a:r>
-            <a:r>
-              <a:rPr lang="es-EC" dirty="0" smtClean="0"/>
-              <a:t>Ramírez</a:t>
+              <a:t>- Carlos Ramírez</a:t>
             </a:r>
             <a:endParaRPr lang="es-EC" dirty="0"/>
           </a:p>
@@ -8456,7 +8443,12 @@
             <p:ph type="title"/>
           </p:nvPr>
         </p:nvSpPr>
-        <p:spPr/>
+        <p:spPr>
+          <a:xfrm>
+            <a:off x="1691225" y="598710"/>
+            <a:ext cx="8911687" cy="1280890"/>
+          </a:xfrm>
+        </p:spPr>
         <p:txBody>
           <a:bodyPr/>
           <a:lstStyle/>
@@ -8472,7 +8464,7 @@
       </p:sp>
       <p:pic>
         <p:nvPicPr>
-          <p:cNvPr id="2050" name="Picture 2"/>
+          <p:cNvPr id="1026" name="Picture 2"/>
           <p:cNvPicPr>
             <a:picLocks noChangeAspect="1" noChangeArrowheads="1"/>
           </p:cNvPicPr>
@@ -8480,15 +8472,15 @@
         </p:nvPicPr>
         <p:blipFill>
           <a:blip r:embed="rId2"/>
-          <a:srcRect t="13205" r="2403" b="4603"/>
+          <a:srcRect l="4685" t="13889" r="6296" b="11458"/>
           <a:stretch>
             <a:fillRect/>
           </a:stretch>
         </p:blipFill>
         <p:spPr bwMode="auto">
           <a:xfrm>
-            <a:off x="1574800" y="1320800"/>
-            <a:ext cx="10058400" cy="4762500"/>
+            <a:off x="406400" y="1244600"/>
+            <a:ext cx="11582400" cy="5461000"/>
           </a:xfrm>
           <a:prstGeom prst="rect">
             <a:avLst/>
@@ -8620,25 +8612,16 @@
             </a:r>
             <a:r>
               <a:rPr lang="es-EC" b="1" dirty="0" smtClean="0"/>
-              <a:t>10</a:t>
-            </a:r>
+              <a:t>10/10</a:t>
+            </a:r>
+          </a:p>
+          <a:p>
+            <a:pPr marL="0" indent="0">
+              <a:buNone/>
+            </a:pPr>
             <a:r>
               <a:rPr lang="es-EC" b="1" dirty="0" smtClean="0"/>
-              <a:t>/10</a:t>
-            </a:r>
-            <a:endParaRPr lang="es-EC" b="1" dirty="0" smtClean="0"/>
-          </a:p>
-          <a:p>
-            <a:pPr marL="0" indent="0">
-              <a:buNone/>
-            </a:pPr>
-            <a:r>
-              <a:rPr lang="es-EC" b="1" dirty="0" smtClean="0"/>
-              <a:t>      TOTAL: </a:t>
-            </a:r>
-            <a:r>
-              <a:rPr lang="es-EC" b="1" dirty="0" smtClean="0"/>
-              <a:t>38</a:t>
+              <a:t>      TOTAL: 38</a:t>
             </a:r>
             <a:endParaRPr lang="es-EC" b="1" dirty="0"/>
           </a:p>
@@ -9426,7 +9409,12 @@
             <p:ph type="title"/>
           </p:nvPr>
         </p:nvSpPr>
-        <p:spPr/>
+        <p:spPr>
+          <a:xfrm>
+            <a:off x="1767425" y="573310"/>
+            <a:ext cx="8911687" cy="1280890"/>
+          </a:xfrm>
+        </p:spPr>
         <p:txBody>
           <a:bodyPr/>
           <a:lstStyle/>
@@ -9456,7 +9444,7 @@
         </p:blipFill>
         <p:spPr>
           <a:xfrm>
-            <a:off x="4566467" y="1367586"/>
+            <a:off x="3639367" y="1367586"/>
             <a:ext cx="4964602" cy="3849207"/>
           </a:xfrm>
           <a:prstGeom prst="rect">
@@ -9466,26 +9454,35 @@
       </p:pic>
       <p:pic>
         <p:nvPicPr>
-          <p:cNvPr id="6" name="Imagen 5"/>
+          <p:cNvPr id="1026" name="Picture 2"/>
           <p:cNvPicPr>
-            <a:picLocks noChangeAspect="1"/>
+            <a:picLocks noChangeAspect="1" noChangeArrowheads="1"/>
           </p:cNvPicPr>
           <p:nvPr/>
         </p:nvPicPr>
         <p:blipFill>
           <a:blip r:embed="rId3"/>
+          <a:srcRect l="3416" t="9028" r="4246" b="70660"/>
           <a:stretch>
             <a:fillRect/>
           </a:stretch>
         </p:blipFill>
-        <p:spPr>
+        <p:spPr bwMode="auto">
           <a:xfrm>
-            <a:off x="553792" y="5305329"/>
-            <a:ext cx="11436439" cy="1309880"/>
+            <a:off x="190500" y="5372100"/>
+            <a:ext cx="12014200" cy="1485900"/>
           </a:xfrm>
           <a:prstGeom prst="rect">
             <a:avLst/>
           </a:prstGeom>
+          <a:noFill/>
+          <a:ln w="9525">
+            <a:noFill/>
+            <a:miter lim="800000"/>
+            <a:headEnd/>
+            <a:tailEnd/>
+          </a:ln>
+          <a:effectLst/>
         </p:spPr>
       </p:pic>
     </p:spTree>
